--- a/Presentation.pptx
+++ b/Presentation.pptx
@@ -11,8 +11,9 @@
     <p:sldId id="260" r:id="rId5"/>
     <p:sldId id="259" r:id="rId6"/>
     <p:sldId id="261" r:id="rId7"/>
-    <p:sldId id="262" r:id="rId8"/>
-    <p:sldId id="264" r:id="rId9"/>
+    <p:sldId id="265" r:id="rId8"/>
+    <p:sldId id="262" r:id="rId9"/>
+    <p:sldId id="264" r:id="rId10"/>
   </p:sldIdLst>
   <p:sldSz cx="12192000" cy="6858000"/>
   <p:notesSz cx="6858000" cy="9144000"/>
@@ -111,6 +112,11 @@
       </a:defRPr>
     </a:lvl9pPr>
   </p:defaultTextStyle>
+  <p:extLst>
+    <p:ext uri="{EFAFB233-063F-42B5-8137-9DF3F51BA10A}">
+      <p15:sldGuideLst xmlns:p15="http://schemas.microsoft.com/office/powerpoint/2012/main"/>
+    </p:ext>
+  </p:extLst>
 </p:presentation>
 </file>
 
@@ -302,7 +308,7 @@
           <a:p>
             <a:fld id="{248E8579-170F-4495-90F2-0AFBB0F850B9}" type="datetimeFigureOut">
               <a:rPr lang="en-KE" smtClean="0"/>
-              <a:t>10/05/2025</a:t>
+              <a:t>11/05/2025</a:t>
             </a:fld>
             <a:endParaRPr lang="en-KE"/>
           </a:p>
@@ -640,7 +646,7 @@
           <a:p>
             <a:fld id="{248E8579-170F-4495-90F2-0AFBB0F850B9}" type="datetimeFigureOut">
               <a:rPr lang="en-KE" smtClean="0"/>
-              <a:t>10/05/2025</a:t>
+              <a:t>11/05/2025</a:t>
             </a:fld>
             <a:endParaRPr lang="en-KE"/>
           </a:p>
@@ -1041,7 +1047,7 @@
           <a:p>
             <a:fld id="{248E8579-170F-4495-90F2-0AFBB0F850B9}" type="datetimeFigureOut">
               <a:rPr lang="en-KE" smtClean="0"/>
-              <a:t>10/05/2025</a:t>
+              <a:t>11/05/2025</a:t>
             </a:fld>
             <a:endParaRPr lang="en-KE"/>
           </a:p>
@@ -1377,7 +1383,7 @@
           <a:p>
             <a:fld id="{248E8579-170F-4495-90F2-0AFBB0F850B9}" type="datetimeFigureOut">
               <a:rPr lang="en-KE" smtClean="0"/>
-              <a:t>10/05/2025</a:t>
+              <a:t>11/05/2025</a:t>
             </a:fld>
             <a:endParaRPr lang="en-KE"/>
           </a:p>
@@ -1697,7 +1703,7 @@
           <a:p>
             <a:fld id="{248E8579-170F-4495-90F2-0AFBB0F850B9}" type="datetimeFigureOut">
               <a:rPr lang="en-KE" smtClean="0"/>
-              <a:t>10/05/2025</a:t>
+              <a:t>11/05/2025</a:t>
             </a:fld>
             <a:endParaRPr lang="en-KE"/>
           </a:p>
@@ -2093,7 +2099,7 @@
           <a:p>
             <a:fld id="{248E8579-170F-4495-90F2-0AFBB0F850B9}" type="datetimeFigureOut">
               <a:rPr lang="en-KE" smtClean="0"/>
-              <a:t>10/05/2025</a:t>
+              <a:t>11/05/2025</a:t>
             </a:fld>
             <a:endParaRPr lang="en-KE"/>
           </a:p>
@@ -2350,7 +2356,7 @@
           <a:p>
             <a:fld id="{248E8579-170F-4495-90F2-0AFBB0F850B9}" type="datetimeFigureOut">
               <a:rPr lang="en-KE" smtClean="0"/>
-              <a:t>10/05/2025</a:t>
+              <a:t>11/05/2025</a:t>
             </a:fld>
             <a:endParaRPr lang="en-KE"/>
           </a:p>
@@ -2612,7 +2618,7 @@
           <a:p>
             <a:fld id="{248E8579-170F-4495-90F2-0AFBB0F850B9}" type="datetimeFigureOut">
               <a:rPr lang="en-KE" smtClean="0"/>
-              <a:t>10/05/2025</a:t>
+              <a:t>11/05/2025</a:t>
             </a:fld>
             <a:endParaRPr lang="en-KE"/>
           </a:p>
@@ -2874,7 +2880,7 @@
           <a:p>
             <a:fld id="{248E8579-170F-4495-90F2-0AFBB0F850B9}" type="datetimeFigureOut">
               <a:rPr lang="en-KE" smtClean="0"/>
-              <a:t>10/05/2025</a:t>
+              <a:t>11/05/2025</a:t>
             </a:fld>
             <a:endParaRPr lang="en-KE"/>
           </a:p>
@@ -3203,7 +3209,7 @@
           <a:p>
             <a:fld id="{248E8579-170F-4495-90F2-0AFBB0F850B9}" type="datetimeFigureOut">
               <a:rPr lang="en-KE" smtClean="0"/>
-              <a:t>10/05/2025</a:t>
+              <a:t>11/05/2025</a:t>
             </a:fld>
             <a:endParaRPr lang="en-KE"/>
           </a:p>
@@ -3526,7 +3532,7 @@
           <a:p>
             <a:fld id="{248E8579-170F-4495-90F2-0AFBB0F850B9}" type="datetimeFigureOut">
               <a:rPr lang="en-KE" smtClean="0"/>
-              <a:t>10/05/2025</a:t>
+              <a:t>11/05/2025</a:t>
             </a:fld>
             <a:endParaRPr lang="en-KE"/>
           </a:p>
@@ -3983,7 +3989,7 @@
           <a:p>
             <a:fld id="{248E8579-170F-4495-90F2-0AFBB0F850B9}" type="datetimeFigureOut">
               <a:rPr lang="en-KE" smtClean="0"/>
-              <a:t>10/05/2025</a:t>
+              <a:t>11/05/2025</a:t>
             </a:fld>
             <a:endParaRPr lang="en-KE"/>
           </a:p>
@@ -4188,7 +4194,7 @@
           <a:p>
             <a:fld id="{248E8579-170F-4495-90F2-0AFBB0F850B9}" type="datetimeFigureOut">
               <a:rPr lang="en-KE" smtClean="0"/>
-              <a:t>10/05/2025</a:t>
+              <a:t>11/05/2025</a:t>
             </a:fld>
             <a:endParaRPr lang="en-KE"/>
           </a:p>
@@ -4365,7 +4371,7 @@
           <a:p>
             <a:fld id="{248E8579-170F-4495-90F2-0AFBB0F850B9}" type="datetimeFigureOut">
               <a:rPr lang="en-KE" smtClean="0"/>
-              <a:t>10/05/2025</a:t>
+              <a:t>11/05/2025</a:t>
             </a:fld>
             <a:endParaRPr lang="en-KE"/>
           </a:p>
@@ -4698,7 +4704,7 @@
           <a:p>
             <a:fld id="{248E8579-170F-4495-90F2-0AFBB0F850B9}" type="datetimeFigureOut">
               <a:rPr lang="en-KE" smtClean="0"/>
-              <a:t>10/05/2025</a:t>
+              <a:t>11/05/2025</a:t>
             </a:fld>
             <a:endParaRPr lang="en-KE"/>
           </a:p>
@@ -5043,7 +5049,7 @@
           <a:p>
             <a:fld id="{248E8579-170F-4495-90F2-0AFBB0F850B9}" type="datetimeFigureOut">
               <a:rPr lang="en-KE" smtClean="0"/>
-              <a:t>10/05/2025</a:t>
+              <a:t>11/05/2025</a:t>
             </a:fld>
             <a:endParaRPr lang="en-KE"/>
           </a:p>
@@ -7097,7 +7103,7 @@
           <a:p>
             <a:fld id="{248E8579-170F-4495-90F2-0AFBB0F850B9}" type="datetimeFigureOut">
               <a:rPr lang="en-KE" smtClean="0"/>
-              <a:t>10/05/2025</a:t>
+              <a:t>11/05/2025</a:t>
             </a:fld>
             <a:endParaRPr lang="en-KE"/>
           </a:p>
@@ -9310,6 +9316,122 @@
       </p:grpSpPr>
       <p:sp>
         <p:nvSpPr>
+          <p:cNvPr id="2" name="Title 1">
+            <a:extLst>
+              <a:ext uri="{FF2B5EF4-FFF2-40B4-BE49-F238E27FC236}">
+                <a16:creationId xmlns:a16="http://schemas.microsoft.com/office/drawing/2014/main" id="{3DA57FB2-84A7-375B-7520-F36D7D9ED4DD}"/>
+              </a:ext>
+            </a:extLst>
+          </p:cNvPr>
+          <p:cNvSpPr>
+            <a:spLocks noGrp="1"/>
+          </p:cNvSpPr>
+          <p:nvPr>
+            <p:ph type="title"/>
+          </p:nvPr>
+        </p:nvSpPr>
+        <p:spPr/>
+        <p:txBody>
+          <a:bodyPr/>
+          <a:lstStyle/>
+          <a:p>
+            <a:r>
+              <a:rPr lang="en-GB" dirty="0"/>
+              <a:t>Recommendations</a:t>
+            </a:r>
+            <a:endParaRPr lang="en-KE" dirty="0"/>
+          </a:p>
+        </p:txBody>
+      </p:sp>
+      <p:sp>
+        <p:nvSpPr>
+          <p:cNvPr id="3" name="Content Placeholder 2">
+            <a:extLst>
+              <a:ext uri="{FF2B5EF4-FFF2-40B4-BE49-F238E27FC236}">
+                <a16:creationId xmlns:a16="http://schemas.microsoft.com/office/drawing/2014/main" id="{72E39C9D-C0E7-9D8F-D705-0EDF9FDDE215}"/>
+              </a:ext>
+            </a:extLst>
+          </p:cNvPr>
+          <p:cNvSpPr>
+            <a:spLocks noGrp="1"/>
+          </p:cNvSpPr>
+          <p:nvPr>
+            <p:ph idx="1"/>
+          </p:nvPr>
+        </p:nvSpPr>
+        <p:spPr/>
+        <p:txBody>
+          <a:bodyPr/>
+          <a:lstStyle/>
+          <a:p>
+            <a:r>
+              <a:rPr lang="en-US" dirty="0"/>
+              <a:t>International Calls seems to be the main reason why customers may want to churn </a:t>
+            </a:r>
+            <a:r>
+              <a:rPr lang="en-US" dirty="0" err="1"/>
+              <a:t>SyriaTel</a:t>
+            </a:r>
+            <a:r>
+              <a:rPr lang="en-US" dirty="0"/>
+              <a:t> company</a:t>
+            </a:r>
+          </a:p>
+          <a:p>
+            <a:endParaRPr lang="en-US" dirty="0"/>
+          </a:p>
+          <a:p>
+            <a:r>
+              <a:rPr lang="en-US" dirty="0"/>
+              <a:t>It may be good to explore other variables such compare the international tariffs by other companies in the same sector</a:t>
+            </a:r>
+          </a:p>
+          <a:p>
+            <a:endParaRPr lang="en-US" dirty="0"/>
+          </a:p>
+          <a:p>
+            <a:r>
+              <a:rPr lang="en-US" dirty="0"/>
+              <a:t>One can also explore the local costs for the competitors in the market</a:t>
+            </a:r>
+          </a:p>
+          <a:p>
+            <a:endParaRPr lang="en-KE" dirty="0"/>
+          </a:p>
+        </p:txBody>
+      </p:sp>
+    </p:spTree>
+    <p:extLst>
+      <p:ext uri="{BB962C8B-B14F-4D97-AF65-F5344CB8AC3E}">
+        <p14:creationId xmlns:p14="http://schemas.microsoft.com/office/powerpoint/2010/main" val="351806950"/>
+      </p:ext>
+    </p:extLst>
+  </p:cSld>
+  <p:clrMapOvr>
+    <a:masterClrMapping/>
+  </p:clrMapOvr>
+</p:sld>
+</file>
+
+<file path=ppt/slides/slide8.xml><?xml version="1.0" encoding="utf-8"?>
+<p:sld xmlns:a="http://schemas.openxmlformats.org/drawingml/2006/main" xmlns:r="http://schemas.openxmlformats.org/officeDocument/2006/relationships" xmlns:p="http://schemas.openxmlformats.org/presentationml/2006/main">
+  <p:cSld>
+    <p:spTree>
+      <p:nvGrpSpPr>
+        <p:cNvPr id="1" name=""/>
+        <p:cNvGrpSpPr/>
+        <p:nvPr/>
+      </p:nvGrpSpPr>
+      <p:grpSpPr>
+        <a:xfrm>
+          <a:off x="0" y="0"/>
+          <a:ext cx="0" cy="0"/>
+          <a:chOff x="0" y="0"/>
+          <a:chExt cx="0" cy="0"/>
+        </a:xfrm>
+      </p:grpSpPr>
+      <p:sp>
+        <p:nvSpPr>
           <p:cNvPr id="4" name="Title 3">
             <a:extLst>
               <a:ext uri="{FF2B5EF4-FFF2-40B4-BE49-F238E27FC236}">
@@ -9331,7 +9453,7 @@
           <a:p>
             <a:r>
               <a:rPr lang="en-GB" dirty="0"/>
-              <a:t>Model Improvement </a:t>
+              <a:t>Next steps</a:t>
             </a:r>
             <a:br>
               <a:rPr lang="en-GB" dirty="0"/>
@@ -9398,7 +9520,7 @@
 </p:sld>
 </file>
 
-<file path=ppt/slides/slide8.xml><?xml version="1.0" encoding="utf-8"?>
+<file path=ppt/slides/slide9.xml><?xml version="1.0" encoding="utf-8"?>
 <p:sld xmlns:a="http://schemas.openxmlformats.org/drawingml/2006/main" xmlns:r="http://schemas.openxmlformats.org/officeDocument/2006/relationships" xmlns:p="http://schemas.openxmlformats.org/presentationml/2006/main">
   <p:cSld>
     <p:spTree>
